--- a/TestDrivingASP.NETMVC_Widescreen.pptx
+++ b/TestDrivingASP.NETMVC_Widescreen.pptx
@@ -2,7 +2,7 @@
 <file path=ppt/presentation.xml><?xml version="1.0" encoding="utf-8"?>
 <p:presentation xmlns:a="http://schemas.openxmlformats.org/drawingml/2006/main" xmlns:r="http://schemas.openxmlformats.org/officeDocument/2006/relationships" xmlns:p="http://schemas.openxmlformats.org/presentationml/2006/main" saveSubsetFonts="1">
   <p:sldMasterIdLst>
-    <p:sldMasterId id="2147483661" r:id="rId5"/>
+    <p:sldMasterId id="2147483685" r:id="rId5"/>
   </p:sldMasterIdLst>
   <p:notesMasterIdLst>
     <p:notesMasterId r:id="rId33"/>
@@ -517,7 +517,7 @@
               <a:pPr>
                 <a:defRPr/>
               </a:pPr>
-              <a:t>8/22/2012</a:t>
+              <a:t>8/29/2012</a:t>
             </a:fld>
             <a:endParaRPr lang="en-US"/>
           </a:p>
@@ -3524,11 +3524,7 @@
             </a:pPr>
             <a:r>
               <a:rPr lang="en-US" sz="1400" b="1" i="1" baseline="0" dirty="0" smtClean="0"/>
-              <a:t>Isolating </a:t>
-            </a:r>
-            <a:r>
-              <a:rPr lang="en-US" sz="1400" b="1" i="1" baseline="0" dirty="0" smtClean="0"/>
-              <a:t>your routes</a:t>
+              <a:t>Isolating your routes</a:t>
             </a:r>
           </a:p>
           <a:p>
@@ -3594,11 +3590,7 @@
             </a:pPr>
             <a:r>
               <a:rPr lang="en-US" sz="1400" baseline="0" dirty="0" smtClean="0"/>
-              <a:t>And since the order of routes make a huge difference, most specific first and general last, I want to make sure that I am testing exactly what will be </a:t>
-            </a:r>
-            <a:r>
-              <a:rPr lang="en-US" sz="1400" baseline="0" dirty="0" smtClean="0"/>
-              <a:t>used</a:t>
+              <a:t>And since the order of routes make a huge difference, most specific first and general last, I want to make sure that I am testing exactly what will be used</a:t>
             </a:r>
           </a:p>
           <a:p>
@@ -3633,15 +3625,7 @@
             </a:pPr>
             <a:r>
               <a:rPr lang="en-US" sz="1400" baseline="0" dirty="0" smtClean="0"/>
-              <a:t>So</a:t>
-            </a:r>
-            <a:r>
-              <a:rPr lang="en-US" sz="1400" baseline="0" dirty="0" smtClean="0"/>
-              <a:t>, I created an abstraction on top of this to allow me use the same routes in my tests that I use in my </a:t>
-            </a:r>
-            <a:r>
-              <a:rPr lang="en-US" sz="1400" baseline="0" dirty="0" smtClean="0"/>
-              <a:t>app</a:t>
+              <a:t>So, I created an abstraction on top of this to allow me use the same routes in my tests that I use in my app</a:t>
             </a:r>
           </a:p>
           <a:p>
@@ -3651,15 +3635,7 @@
             </a:pPr>
             <a:r>
               <a:rPr lang="en-US" sz="1400" baseline="0" dirty="0" smtClean="0"/>
-              <a:t>Otherwise </a:t>
-            </a:r>
-            <a:r>
-              <a:rPr lang="en-US" sz="1400" baseline="0" dirty="0" smtClean="0"/>
-              <a:t>if I was registering my routes the way it is done out of the box I would not be able to use the same implementation in my </a:t>
-            </a:r>
-            <a:r>
-              <a:rPr lang="en-US" sz="1400" baseline="0" dirty="0" smtClean="0"/>
-              <a:t>tests</a:t>
+              <a:t>Otherwise if I was registering my routes the way it is done out of the box I would not be able to use the same implementation in my tests</a:t>
             </a:r>
           </a:p>
           <a:p>
@@ -3749,11 +3725,7 @@
             </a:pPr>
             <a:r>
               <a:rPr lang="en-US" sz="1400" baseline="0" dirty="0" smtClean="0"/>
-              <a:t>Look </a:t>
-            </a:r>
-            <a:r>
-              <a:rPr lang="en-US" sz="1400" baseline="0" dirty="0" smtClean="0"/>
-              <a:t>at the usage of the </a:t>
+              <a:t>Look at the usage of the </a:t>
             </a:r>
             <a:r>
               <a:rPr lang="en-US" sz="1400" baseline="0" dirty="0" err="1" smtClean="0"/>
@@ -3775,11 +3747,7 @@
             </a:pPr>
             <a:r>
               <a:rPr lang="en-US" sz="1400" baseline="0" dirty="0" smtClean="0"/>
-              <a:t>Create a test for the default route</a:t>
-            </a:r>
-            <a:r>
-              <a:rPr lang="en-US" sz="1400" baseline="0" dirty="0" smtClean="0"/>
-              <a:t>: </a:t>
+              <a:t>Create a test for the default route: </a:t>
             </a:r>
             <a:r>
               <a:rPr lang="en-US" sz="1400" b="1" baseline="0" dirty="0" smtClean="0"/>
@@ -3998,18 +3966,7 @@
                 <a:ea typeface="+mn-ea"/>
                 <a:cs typeface="+mn-cs"/>
               </a:rPr>
-              <a:t>        </a:t>
-            </a:r>
-            <a:r>
-              <a:rPr lang="en-US" sz="1200" kern="1200" dirty="0" smtClean="0">
-                <a:solidFill>
-                  <a:schemeClr val="tx1"/>
-                </a:solidFill>
-                <a:latin typeface="+mn-lt"/>
-                <a:ea typeface="+mn-ea"/>
-                <a:cs typeface="+mn-cs"/>
-              </a:rPr>
-              <a:t>}</a:t>
+              <a:t>        }</a:t>
             </a:r>
           </a:p>
           <a:p>
@@ -4374,7 +4331,6 @@
               <a:rPr lang="en-US" sz="2400" baseline="0" dirty="0" smtClean="0"/>
               <a:t>So using MVCContrib we can test our routes…what about our controllers?</a:t>
             </a:r>
-            <a:endParaRPr lang="en-US" sz="2400" baseline="0" dirty="0" smtClean="0"/>
           </a:p>
           <a:p>
             <a:pPr marL="800100" lvl="1" indent="-342900" algn="l">
@@ -4773,11 +4729,7 @@
             </a:r>
             <a:r>
               <a:rPr lang="en-US" sz="1400" baseline="0" dirty="0" smtClean="0"/>
-              <a:t> </a:t>
-            </a:r>
-            <a:r>
-              <a:rPr lang="en-US" sz="1400" baseline="0" dirty="0" smtClean="0"/>
-              <a:t>and how controller project is handled with routing </a:t>
+              <a:t> and how controller project is handled with routing </a:t>
             </a:r>
             <a:r>
               <a:rPr lang="en-US" sz="1400" b="1" baseline="0" dirty="0" smtClean="0"/>
@@ -4870,11 +4822,7 @@
             </a:pPr>
             <a:r>
               <a:rPr lang="en-US" sz="1400" baseline="0" dirty="0" smtClean="0"/>
-              <a:t>In this case we are going to pimp out the default controller factory with </a:t>
-            </a:r>
-            <a:r>
-              <a:rPr lang="en-US" sz="1400" baseline="0" dirty="0" smtClean="0"/>
-              <a:t>StructureMap</a:t>
+              <a:t>In this case we are going to pimp out the default controller factory with StructureMap</a:t>
             </a:r>
           </a:p>
           <a:p>
@@ -4954,18 +4902,7 @@
                 <a:ea typeface="+mn-ea"/>
                 <a:cs typeface="+mn-cs"/>
               </a:rPr>
-              <a:t>**** </a:t>
-            </a:r>
-            <a:r>
-              <a:rPr lang="en-US" sz="1200" b="1" kern="1200" baseline="0" dirty="0" smtClean="0">
-                <a:solidFill>
-                  <a:schemeClr val="tx1"/>
-                </a:solidFill>
-                <a:latin typeface="+mn-lt"/>
-                <a:ea typeface="+mn-ea"/>
-                <a:cs typeface="+mn-cs"/>
-              </a:rPr>
-              <a:t>After </a:t>
+              <a:t>**** After </a:t>
             </a:r>
             <a:r>
               <a:rPr lang="en-US" sz="1200" b="1" kern="1200" baseline="0" dirty="0" err="1" smtClean="0">
@@ -5049,11 +4986,7 @@
             </a:r>
             <a:r>
               <a:rPr lang="en-US" sz="1400" b="0" baseline="0" dirty="0" smtClean="0"/>
-              <a:t>And </a:t>
-            </a:r>
-            <a:r>
-              <a:rPr lang="en-US" sz="1400" b="0" baseline="0" dirty="0" smtClean="0"/>
-              <a:t>then change the Customer Controller to accept the 2 dependencies as inputs</a:t>
+              <a:t>And then change the Customer Controller to accept the 2 dependencies as inputs</a:t>
             </a:r>
           </a:p>
           <a:p>
@@ -5130,15 +5063,7 @@
             </a:pPr>
             <a:r>
               <a:rPr lang="en-US" sz="1400" b="0" i="0" baseline="0" dirty="0" smtClean="0"/>
-              <a:t>Talk </a:t>
-            </a:r>
-            <a:r>
-              <a:rPr lang="en-US" sz="1400" b="0" i="0" baseline="0" dirty="0" smtClean="0"/>
-              <a:t>about the usage of </a:t>
-            </a:r>
-            <a:r>
-              <a:rPr lang="en-US" sz="1400" b="0" i="0" baseline="0" dirty="0" smtClean="0"/>
-              <a:t>fakes</a:t>
+              <a:t>Talk about the usage of fakes</a:t>
             </a:r>
           </a:p>
           <a:p>
@@ -5190,15 +5115,7 @@
             </a:pPr>
             <a:r>
               <a:rPr lang="en-US" sz="1400" b="0" i="0" baseline="0" dirty="0" smtClean="0"/>
-              <a:t>So </a:t>
-            </a:r>
-            <a:r>
-              <a:rPr lang="en-US" sz="1400" b="0" i="0" baseline="0" dirty="0" smtClean="0"/>
-              <a:t>let’s test that our Index controller method returns a view named “Index</a:t>
-            </a:r>
-            <a:r>
-              <a:rPr lang="en-US" sz="1400" b="0" i="0" baseline="0" dirty="0" smtClean="0"/>
-              <a:t>”</a:t>
+              <a:t>So let’s test that our Index controller method returns a view named “Index”</a:t>
             </a:r>
           </a:p>
           <a:p>
@@ -5210,7 +5127,6 @@
               <a:rPr lang="en-US" sz="1400" b="1" i="0" baseline="0" dirty="0" smtClean="0"/>
               <a:t>tddmvc5</a:t>
             </a:r>
-            <a:endParaRPr lang="en-US" sz="1400" b="1" i="0" baseline="0" dirty="0" smtClean="0"/>
           </a:p>
           <a:p>
             <a:pPr marL="914400" lvl="2" indent="0" algn="l">
@@ -5389,11 +5305,7 @@
             </a:pPr>
             <a:r>
               <a:rPr lang="en-US" sz="1400" b="0" i="0" baseline="0" dirty="0" smtClean="0"/>
-              <a:t>And now we can write a test to make sure the model being returned is the correct </a:t>
-            </a:r>
-            <a:r>
-              <a:rPr lang="en-US" sz="1400" b="0" i="0" baseline="0" dirty="0" smtClean="0"/>
-              <a:t>type</a:t>
+              <a:t>And now we can write a test to make sure the model being returned is the correct type</a:t>
             </a:r>
           </a:p>
           <a:p>
@@ -5405,7 +5317,6 @@
               <a:rPr lang="en-US" sz="1400" b="1" i="0" baseline="0" dirty="0" smtClean="0"/>
               <a:t>tddmvc6</a:t>
             </a:r>
-            <a:endParaRPr lang="en-US" sz="1400" b="1" i="0" baseline="0" dirty="0" smtClean="0"/>
           </a:p>
           <a:p>
             <a:pPr lvl="2"/>
@@ -5853,11 +5764,7 @@
             </a:pPr>
             <a:r>
               <a:rPr lang="en-US" sz="1400" b="0" i="0" baseline="0" dirty="0" smtClean="0"/>
-              <a:t>Should </a:t>
-            </a:r>
-            <a:r>
-              <a:rPr lang="en-US" sz="1400" b="0" i="0" baseline="0" dirty="0" smtClean="0"/>
-              <a:t>Assertion Library – user readable assertions</a:t>
+              <a:t>Should Assertion Library – user readable assertions</a:t>
             </a:r>
           </a:p>
           <a:p>
@@ -5924,18 +5831,7 @@
                 <a:ea typeface="+mn-ea"/>
                 <a:cs typeface="+mn-cs"/>
               </a:rPr>
-              <a:t>Lastly we can test the redirect on our </a:t>
-            </a:r>
-            <a:r>
-              <a:rPr lang="en-US" sz="1200" kern="1200" dirty="0" smtClean="0">
-                <a:solidFill>
-                  <a:schemeClr val="tx1"/>
-                </a:solidFill>
-                <a:latin typeface="+mn-lt"/>
-                <a:ea typeface="+mn-ea"/>
-                <a:cs typeface="+mn-cs"/>
-              </a:rPr>
-              <a:t>Post</a:t>
+              <a:t>Lastly we can test the redirect on our Post</a:t>
             </a:r>
           </a:p>
           <a:p>
@@ -5954,14 +5850,6 @@
               </a:rPr>
               <a:t>tddmvc7</a:t>
             </a:r>
-            <a:endParaRPr lang="en-US" sz="1200" b="1" kern="1200" dirty="0" smtClean="0">
-              <a:solidFill>
-                <a:schemeClr val="tx1"/>
-              </a:solidFill>
-              <a:latin typeface="+mn-lt"/>
-              <a:ea typeface="+mn-ea"/>
-              <a:cs typeface="+mn-cs"/>
-            </a:endParaRPr>
           </a:p>
           <a:p>
             <a:r>
@@ -6507,11 +6395,7 @@
             </a:r>
             <a:r>
               <a:rPr lang="en-US" baseline="0" dirty="0" smtClean="0"/>
-              <a:t> forms, click links, etc</a:t>
-            </a:r>
-            <a:r>
-              <a:rPr lang="en-US" baseline="0" dirty="0" smtClean="0"/>
-              <a:t>.</a:t>
+              <a:t> forms, click links, etc.</a:t>
             </a:r>
           </a:p>
           <a:p>
@@ -6683,11 +6567,7 @@
             </a:r>
             <a:r>
               <a:rPr lang="en-US" sz="1400" b="1" baseline="0" dirty="0" smtClean="0"/>
-              <a:t> to FALSE</a:t>
-            </a:r>
-            <a:r>
-              <a:rPr lang="en-US" sz="1400" b="1" baseline="0" dirty="0" smtClean="0"/>
-              <a:t>!!!!!</a:t>
+              <a:t> to FALSE!!!!!</a:t>
             </a:r>
           </a:p>
           <a:p>
@@ -6712,11 +6592,7 @@
             </a:pPr>
             <a:r>
               <a:rPr lang="en-US" sz="1400" b="0" baseline="0" dirty="0" smtClean="0"/>
-              <a:t>The </a:t>
-            </a:r>
-            <a:r>
-              <a:rPr lang="en-US" sz="1400" b="0" baseline="0" dirty="0" smtClean="0"/>
-              <a:t>first thing we need is a url:</a:t>
+              <a:t>The first thing we need is a url:</a:t>
             </a:r>
           </a:p>
           <a:p>
@@ -6774,11 +6650,7 @@
             </a:pPr>
             <a:r>
               <a:rPr lang="en-US" sz="1400" b="0" i="0" baseline="0" dirty="0" smtClean="0"/>
-              <a:t>At this point we can run this and see that just by declaring a browser and passing a url our site is spun </a:t>
-            </a:r>
-            <a:r>
-              <a:rPr lang="en-US" sz="1400" b="0" i="0" baseline="0" dirty="0" smtClean="0"/>
-              <a:t>up</a:t>
+              <a:t>At this point we can run this and see that just by declaring a browser and passing a url our site is spun up</a:t>
             </a:r>
           </a:p>
           <a:p>
@@ -6843,11 +6715,7 @@
             </a:pPr>
             <a:r>
               <a:rPr lang="en-US" sz="1400" b="0" i="0" baseline="0" dirty="0" smtClean="0"/>
-              <a:t>In </a:t>
-            </a:r>
-            <a:r>
-              <a:rPr lang="en-US" sz="1400" b="0" i="0" baseline="0" dirty="0" smtClean="0"/>
-              <a:t>this case we want to verify that we are on the “Customer Index” page and we do that by looking at the title</a:t>
+              <a:t>In this case we want to verify that we are on the “Customer Index” page and we do that by looking at the title</a:t>
             </a:r>
           </a:p>
           <a:p>
@@ -6857,11 +6725,7 @@
             </a:pPr>
             <a:r>
               <a:rPr lang="en-US" sz="1400" b="0" i="0" baseline="0" dirty="0" smtClean="0"/>
-              <a:t>Run </a:t>
-            </a:r>
-            <a:r>
-              <a:rPr lang="en-US" sz="1400" b="0" i="0" baseline="0" dirty="0" smtClean="0"/>
-              <a:t>the test – GREEN!</a:t>
+              <a:t>Run the test – GREEN!</a:t>
             </a:r>
           </a:p>
           <a:p>
@@ -6871,11 +6735,7 @@
             </a:pPr>
             <a:r>
               <a:rPr lang="en-US" sz="1400" b="0" i="0" baseline="0" dirty="0" smtClean="0"/>
-              <a:t>Prove that it works change the expected title and run </a:t>
-            </a:r>
-            <a:r>
-              <a:rPr lang="en-US" sz="1400" b="0" i="0" baseline="0" dirty="0" smtClean="0"/>
-              <a:t>again</a:t>
+              <a:t>Prove that it works change the expected title and run again</a:t>
             </a:r>
             <a:endParaRPr lang="en-US" sz="1400" b="1" i="0" baseline="0" dirty="0" smtClean="0"/>
           </a:p>
@@ -6896,11 +6756,7 @@
             </a:pPr>
             <a:r>
               <a:rPr lang="en-US" sz="1400" b="0" i="0" baseline="0" dirty="0" smtClean="0"/>
-              <a:t>How </a:t>
-            </a:r>
-            <a:r>
-              <a:rPr lang="en-US" sz="1400" b="0" i="0" baseline="0" dirty="0" smtClean="0"/>
-              <a:t>about making sure a field exists on the page…</a:t>
+              <a:t>How about making sure a field exists on the page…</a:t>
             </a:r>
           </a:p>
           <a:p>
@@ -6910,11 +6766,7 @@
             </a:pPr>
             <a:r>
               <a:rPr lang="en-US" sz="1400" b="0" i="0" baseline="0" dirty="0" smtClean="0"/>
-              <a:t>Let’s </a:t>
-            </a:r>
-            <a:r>
-              <a:rPr lang="en-US" sz="1400" b="0" i="0" baseline="0" dirty="0" smtClean="0"/>
-              <a:t>make sure the </a:t>
+              <a:t>Let’s make sure the </a:t>
             </a:r>
             <a:r>
               <a:rPr lang="en-US" sz="1400" b="0" i="0" baseline="0" dirty="0" err="1" smtClean="0"/>
@@ -6922,11 +6774,7 @@
             </a:r>
             <a:r>
               <a:rPr lang="en-US" sz="1400" b="0" i="0" baseline="0" dirty="0" smtClean="0"/>
-              <a:t> field is displayed – we will use the browser dev tools to figure out what we are looking </a:t>
-            </a:r>
-            <a:r>
-              <a:rPr lang="en-US" sz="1400" b="0" i="0" baseline="0" dirty="0" smtClean="0"/>
-              <a:t>for</a:t>
+              <a:t> field is displayed – we will use the browser dev tools to figure out what we are looking for</a:t>
             </a:r>
           </a:p>
           <a:p>
@@ -6938,7 +6786,6 @@
               <a:rPr lang="en-US" sz="1400" b="1" i="0" baseline="0" dirty="0" smtClean="0"/>
               <a:t>tddmvc9</a:t>
             </a:r>
-            <a:endParaRPr lang="en-US" sz="1400" b="1" i="0" baseline="0" dirty="0" smtClean="0"/>
           </a:p>
           <a:p>
             <a:r>
@@ -7220,18 +7067,7 @@
                 <a:ea typeface="+mn-ea"/>
                 <a:cs typeface="+mn-cs"/>
               </a:rPr>
-              <a:t>  Let’s test our </a:t>
-            </a:r>
-            <a:r>
-              <a:rPr lang="en-US" sz="1200" b="0" i="0" kern="1200" baseline="0" dirty="0" smtClean="0">
-                <a:solidFill>
-                  <a:schemeClr val="tx1"/>
-                </a:solidFill>
-                <a:latin typeface="+mn-lt"/>
-                <a:ea typeface="+mn-ea"/>
-                <a:cs typeface="+mn-cs"/>
-              </a:rPr>
-              <a:t>button</a:t>
+              <a:t>  Let’s test our button</a:t>
             </a:r>
           </a:p>
           <a:p>
@@ -7250,14 +7086,6 @@
               </a:rPr>
               <a:t>tddmvc10</a:t>
             </a:r>
-            <a:endParaRPr lang="en-US" sz="1200" b="1" i="0" kern="1200" baseline="0" dirty="0" smtClean="0">
-              <a:solidFill>
-                <a:schemeClr val="tx1"/>
-              </a:solidFill>
-              <a:latin typeface="+mn-lt"/>
-              <a:ea typeface="+mn-ea"/>
-              <a:cs typeface="+mn-cs"/>
-            </a:endParaRPr>
           </a:p>
           <a:p>
             <a:r>
@@ -7650,18 +7478,7 @@
                 <a:ea typeface="+mn-ea"/>
                 <a:cs typeface="+mn-cs"/>
               </a:rPr>
-              <a:t>  How about testing validation?  Let’s make sure that our first name required message is displayed when clicking Create and with nothing in First </a:t>
-            </a:r>
-            <a:r>
-              <a:rPr lang="en-US" sz="1200" b="0" i="0" kern="1200" baseline="0" dirty="0" smtClean="0">
-                <a:solidFill>
-                  <a:schemeClr val="tx1"/>
-                </a:solidFill>
-                <a:latin typeface="+mn-lt"/>
-                <a:ea typeface="+mn-ea"/>
-                <a:cs typeface="+mn-cs"/>
-              </a:rPr>
-              <a:t>Name</a:t>
+              <a:t>  How about testing validation?  Let’s make sure that our first name required message is displayed when clicking Create and with nothing in First Name</a:t>
             </a:r>
           </a:p>
           <a:p>
@@ -7680,14 +7497,6 @@
               </a:rPr>
               <a:t>tddmvc11</a:t>
             </a:r>
-            <a:endParaRPr lang="en-US" sz="1200" b="1" i="0" kern="1200" baseline="0" dirty="0" smtClean="0">
-              <a:solidFill>
-                <a:schemeClr val="tx1"/>
-              </a:solidFill>
-              <a:latin typeface="+mn-lt"/>
-              <a:ea typeface="+mn-ea"/>
-              <a:cs typeface="+mn-cs"/>
-            </a:endParaRPr>
           </a:p>
           <a:p>
             <a:pPr lvl="1"/>
@@ -7996,18 +7805,7 @@
                 <a:ea typeface="+mn-ea"/>
                 <a:cs typeface="+mn-cs"/>
               </a:rPr>
-              <a:t>  Now we can test the opposite: Message should not be displayed when we fill in First Name and click </a:t>
-            </a:r>
-            <a:r>
-              <a:rPr lang="en-US" sz="1200" b="0" i="0" kern="1200" baseline="0" dirty="0" smtClean="0">
-                <a:solidFill>
-                  <a:schemeClr val="tx1"/>
-                </a:solidFill>
-                <a:latin typeface="+mn-lt"/>
-                <a:ea typeface="+mn-ea"/>
-                <a:cs typeface="+mn-cs"/>
-              </a:rPr>
-              <a:t>Create</a:t>
+              <a:t>  Now we can test the opposite: Message should not be displayed when we fill in First Name and click Create</a:t>
             </a:r>
           </a:p>
           <a:p>
@@ -8026,14 +7824,6 @@
               </a:rPr>
               <a:t>tddmvc12</a:t>
             </a:r>
-            <a:endParaRPr lang="en-US" sz="1200" b="1" i="0" kern="1200" baseline="0" dirty="0" smtClean="0">
-              <a:solidFill>
-                <a:schemeClr val="tx1"/>
-              </a:solidFill>
-              <a:latin typeface="+mn-lt"/>
-              <a:ea typeface="+mn-ea"/>
-              <a:cs typeface="+mn-cs"/>
-            </a:endParaRPr>
           </a:p>
           <a:p>
             <a:pPr marL="457200" lvl="1" indent="0">
@@ -10233,26 +10023,18 @@
             </a:br>
             <a:r>
               <a:rPr lang="en-US" sz="1493" dirty="0" smtClean="0"/>
-              <a:t>Senior </a:t>
-            </a:r>
-            <a:r>
-              <a:rPr lang="en-US" sz="1493" dirty="0" err="1" smtClean="0"/>
-              <a:t>Sofware</a:t>
-            </a:r>
-            <a:r>
-              <a:rPr lang="en-US" sz="1493" dirty="0" smtClean="0"/>
-              <a:t> Engineer</a:t>
+              <a:t>Senior Software Engineer</a:t>
             </a:r>
             <a:br>
               <a:rPr lang="en-US" sz="1493" dirty="0" smtClean="0"/>
             </a:br>
             <a:r>
               <a:rPr lang="en-US" sz="1493" dirty="0" smtClean="0"/>
-              <a:t>Skyline Technologies, </a:t>
-            </a:r>
-            <a:r>
-              <a:rPr lang="en-US" sz="1493" dirty="0" err="1" smtClean="0"/>
-              <a:t>Inc</a:t>
+              <a:t>Skyline Technologies</a:t>
+            </a:r>
+            <a:r>
+              <a:rPr lang="en-US" sz="1493" smtClean="0"/>
+              <a:t>, Inc.</a:t>
             </a:r>
             <a:endParaRPr lang="en-US" sz="1493" dirty="0" smtClean="0"/>
           </a:p>
@@ -10310,7 +10092,7 @@
     </p:spTree>
     <p:extLst>
       <p:ext uri="{BB962C8B-B14F-4D97-AF65-F5344CB8AC3E}">
-        <p14:creationId xmlns:p14="http://schemas.microsoft.com/office/powerpoint/2010/main" val="3009830344"/>
+        <p14:creationId xmlns:p14="http://schemas.microsoft.com/office/powerpoint/2010/main" val="583026222"/>
       </p:ext>
     </p:extLst>
   </p:cSld>
@@ -10422,13 +10204,20 @@
     </p:spTree>
     <p:extLst>
       <p:ext uri="{BB962C8B-B14F-4D97-AF65-F5344CB8AC3E}">
-        <p14:creationId xmlns:p14="http://schemas.microsoft.com/office/powerpoint/2010/main" val="3984057248"/>
+        <p14:creationId xmlns:p14="http://schemas.microsoft.com/office/powerpoint/2010/main" val="1802916744"/>
       </p:ext>
     </p:extLst>
   </p:cSld>
   <p:clrMapOvr>
     <a:masterClrMapping/>
   </p:clrMapOvr>
+  <p:timing>
+    <p:tnLst>
+      <p:par>
+        <p:cTn id="1" dur="indefinite" restart="never" nodeType="tmRoot"/>
+      </p:par>
+    </p:tnLst>
+  </p:timing>
 </p:sldLayout>
 </file>
 
@@ -10537,13 +10326,20 @@
     </p:spTree>
     <p:extLst>
       <p:ext uri="{BB962C8B-B14F-4D97-AF65-F5344CB8AC3E}">
-        <p14:creationId xmlns:p14="http://schemas.microsoft.com/office/powerpoint/2010/main" val="278059788"/>
+        <p14:creationId xmlns:p14="http://schemas.microsoft.com/office/powerpoint/2010/main" val="3632824126"/>
       </p:ext>
     </p:extLst>
   </p:cSld>
   <p:clrMapOvr>
     <a:masterClrMapping/>
   </p:clrMapOvr>
+  <p:timing>
+    <p:tnLst>
+      <p:par>
+        <p:cTn id="1" dur="indefinite" restart="never" nodeType="tmRoot"/>
+      </p:par>
+    </p:tnLst>
+  </p:timing>
 </p:sldLayout>
 </file>
 
@@ -10642,13 +10438,20 @@
     </p:spTree>
     <p:extLst>
       <p:ext uri="{BB962C8B-B14F-4D97-AF65-F5344CB8AC3E}">
-        <p14:creationId xmlns:p14="http://schemas.microsoft.com/office/powerpoint/2010/main" val="870468331"/>
+        <p14:creationId xmlns:p14="http://schemas.microsoft.com/office/powerpoint/2010/main" val="2227041670"/>
       </p:ext>
     </p:extLst>
   </p:cSld>
   <p:clrMapOvr>
     <a:masterClrMapping/>
   </p:clrMapOvr>
+  <p:timing>
+    <p:tnLst>
+      <p:par>
+        <p:cTn id="1" dur="indefinite" restart="never" nodeType="tmRoot"/>
+      </p:par>
+    </p:tnLst>
+  </p:timing>
 </p:sldLayout>
 </file>
 
@@ -10775,13 +10578,20 @@
     </p:spTree>
     <p:extLst>
       <p:ext uri="{BB962C8B-B14F-4D97-AF65-F5344CB8AC3E}">
-        <p14:creationId xmlns:p14="http://schemas.microsoft.com/office/powerpoint/2010/main" val="1291541055"/>
+        <p14:creationId xmlns:p14="http://schemas.microsoft.com/office/powerpoint/2010/main" val="1163797225"/>
       </p:ext>
     </p:extLst>
   </p:cSld>
   <p:clrMapOvr>
     <a:masterClrMapping/>
   </p:clrMapOvr>
+  <p:timing>
+    <p:tnLst>
+      <p:par>
+        <p:cTn id="1" dur="indefinite" restart="never" nodeType="tmRoot"/>
+      </p:par>
+    </p:tnLst>
+  </p:timing>
 </p:sldLayout>
 </file>
 
@@ -10998,13 +10808,20 @@
     </p:spTree>
     <p:extLst>
       <p:ext uri="{BB962C8B-B14F-4D97-AF65-F5344CB8AC3E}">
-        <p14:creationId xmlns:p14="http://schemas.microsoft.com/office/powerpoint/2010/main" val="1175071199"/>
+        <p14:creationId xmlns:p14="http://schemas.microsoft.com/office/powerpoint/2010/main" val="594968084"/>
       </p:ext>
     </p:extLst>
   </p:cSld>
   <p:clrMapOvr>
     <a:masterClrMapping/>
   </p:clrMapOvr>
+  <p:timing>
+    <p:tnLst>
+      <p:par>
+        <p:cTn id="1" dur="indefinite" restart="never" nodeType="tmRoot"/>
+      </p:par>
+    </p:tnLst>
+  </p:timing>
 </p:sldLayout>
 </file>
 
@@ -11356,13 +11173,20 @@
     </p:spTree>
     <p:extLst>
       <p:ext uri="{BB962C8B-B14F-4D97-AF65-F5344CB8AC3E}">
-        <p14:creationId xmlns:p14="http://schemas.microsoft.com/office/powerpoint/2010/main" val="3989682868"/>
+        <p14:creationId xmlns:p14="http://schemas.microsoft.com/office/powerpoint/2010/main" val="1618217895"/>
       </p:ext>
     </p:extLst>
   </p:cSld>
   <p:clrMapOvr>
     <a:masterClrMapping/>
   </p:clrMapOvr>
+  <p:timing>
+    <p:tnLst>
+      <p:par>
+        <p:cTn id="1" dur="indefinite" restart="never" nodeType="tmRoot"/>
+      </p:par>
+    </p:tnLst>
+  </p:timing>
 </p:sldLayout>
 </file>
 
@@ -11409,13 +11233,20 @@
     </p:spTree>
     <p:extLst>
       <p:ext uri="{BB962C8B-B14F-4D97-AF65-F5344CB8AC3E}">
-        <p14:creationId xmlns:p14="http://schemas.microsoft.com/office/powerpoint/2010/main" val="4144606499"/>
+        <p14:creationId xmlns:p14="http://schemas.microsoft.com/office/powerpoint/2010/main" val="3749567869"/>
       </p:ext>
     </p:extLst>
   </p:cSld>
   <p:clrMapOvr>
     <a:masterClrMapping/>
   </p:clrMapOvr>
+  <p:timing>
+    <p:tnLst>
+      <p:par>
+        <p:cTn id="1" dur="indefinite" restart="never" nodeType="tmRoot"/>
+      </p:par>
+    </p:tnLst>
+  </p:timing>
 </p:sldLayout>
 </file>
 
@@ -11439,13 +11270,20 @@
     </p:spTree>
     <p:extLst>
       <p:ext uri="{BB962C8B-B14F-4D97-AF65-F5344CB8AC3E}">
-        <p14:creationId xmlns:p14="http://schemas.microsoft.com/office/powerpoint/2010/main" val="2444536407"/>
+        <p14:creationId xmlns:p14="http://schemas.microsoft.com/office/powerpoint/2010/main" val="994031766"/>
       </p:ext>
     </p:extLst>
   </p:cSld>
   <p:clrMapOvr>
     <a:masterClrMapping/>
   </p:clrMapOvr>
+  <p:timing>
+    <p:tnLst>
+      <p:par>
+        <p:cTn id="1" dur="indefinite" restart="never" nodeType="tmRoot"/>
+      </p:par>
+    </p:tnLst>
+  </p:timing>
 </p:sldLayout>
 </file>
 
@@ -11651,13 +11489,20 @@
     </p:spTree>
     <p:extLst>
       <p:ext uri="{BB962C8B-B14F-4D97-AF65-F5344CB8AC3E}">
-        <p14:creationId xmlns:p14="http://schemas.microsoft.com/office/powerpoint/2010/main" val="3493927292"/>
+        <p14:creationId xmlns:p14="http://schemas.microsoft.com/office/powerpoint/2010/main" val="259993704"/>
       </p:ext>
     </p:extLst>
   </p:cSld>
   <p:clrMapOvr>
     <a:masterClrMapping/>
   </p:clrMapOvr>
+  <p:timing>
+    <p:tnLst>
+      <p:par>
+        <p:cTn id="1" dur="indefinite" restart="never" nodeType="tmRoot"/>
+      </p:par>
+    </p:tnLst>
+  </p:timing>
 </p:sldLayout>
 </file>
 
@@ -11843,13 +11688,20 @@
     </p:spTree>
     <p:extLst>
       <p:ext uri="{BB962C8B-B14F-4D97-AF65-F5344CB8AC3E}">
-        <p14:creationId xmlns:p14="http://schemas.microsoft.com/office/powerpoint/2010/main" val="2484651208"/>
+        <p14:creationId xmlns:p14="http://schemas.microsoft.com/office/powerpoint/2010/main" val="1619058927"/>
       </p:ext>
     </p:extLst>
   </p:cSld>
   <p:clrMapOvr>
     <a:masterClrMapping/>
   </p:clrMapOvr>
+  <p:timing>
+    <p:tnLst>
+      <p:par>
+        <p:cTn id="1" dur="indefinite" restart="never" nodeType="tmRoot"/>
+      </p:par>
+    </p:tnLst>
+  </p:timing>
 </p:sldLayout>
 </file>
 
@@ -12033,23 +11885,23 @@
     </p:spTree>
     <p:extLst>
       <p:ext uri="{BB962C8B-B14F-4D97-AF65-F5344CB8AC3E}">
-        <p14:creationId xmlns:p14="http://schemas.microsoft.com/office/powerpoint/2010/main" val="2808984508"/>
+        <p14:creationId xmlns:p14="http://schemas.microsoft.com/office/powerpoint/2010/main" val="3807171228"/>
       </p:ext>
     </p:extLst>
   </p:cSld>
   <p:clrMap bg1="lt1" tx1="dk1" bg2="lt2" tx2="dk2" accent1="accent1" accent2="accent2" accent3="accent3" accent4="accent4" accent5="accent5" accent6="accent6" hlink="hlink" folHlink="folHlink"/>
   <p:sldLayoutIdLst>
-    <p:sldLayoutId id="2147483662" r:id="rId1"/>
-    <p:sldLayoutId id="2147483663" r:id="rId2"/>
-    <p:sldLayoutId id="2147483664" r:id="rId3"/>
-    <p:sldLayoutId id="2147483665" r:id="rId4"/>
-    <p:sldLayoutId id="2147483666" r:id="rId5"/>
-    <p:sldLayoutId id="2147483667" r:id="rId6"/>
-    <p:sldLayoutId id="2147483668" r:id="rId7"/>
-    <p:sldLayoutId id="2147483669" r:id="rId8"/>
-    <p:sldLayoutId id="2147483670" r:id="rId9"/>
-    <p:sldLayoutId id="2147483671" r:id="rId10"/>
-    <p:sldLayoutId id="2147483672" r:id="rId11"/>
+    <p:sldLayoutId id="2147483686" r:id="rId1"/>
+    <p:sldLayoutId id="2147483687" r:id="rId2"/>
+    <p:sldLayoutId id="2147483688" r:id="rId3"/>
+    <p:sldLayoutId id="2147483689" r:id="rId4"/>
+    <p:sldLayoutId id="2147483690" r:id="rId5"/>
+    <p:sldLayoutId id="2147483691" r:id="rId6"/>
+    <p:sldLayoutId id="2147483692" r:id="rId7"/>
+    <p:sldLayoutId id="2147483693" r:id="rId8"/>
+    <p:sldLayoutId id="2147483694" r:id="rId9"/>
+    <p:sldLayoutId id="2147483695" r:id="rId10"/>
+    <p:sldLayoutId id="2147483696" r:id="rId11"/>
   </p:sldLayoutIdLst>
   <p:timing>
     <p:tnLst>
@@ -19648,11 +19500,7 @@
           <a:p>
             <a:r>
               <a:rPr lang="en-US" sz="3250" kern="0" dirty="0" smtClean="0"/>
-              <a:t>Testing </a:t>
-            </a:r>
-            <a:r>
-              <a:rPr lang="en-US" sz="3250" kern="0" dirty="0" smtClean="0"/>
-              <a:t>routes and controllers</a:t>
+              <a:t>Testing routes and controllers</a:t>
             </a:r>
           </a:p>
           <a:p>
@@ -22467,6 +22315,15 @@
 </file>
 
 <file path=customXml/item1.xml><?xml version="1.0" encoding="utf-8"?>
+<?mso-contentType ?>
+<FormTemplates xmlns="http://schemas.microsoft.com/sharepoint/v3/contenttype/forms">
+  <Display>DocumentLibraryForm</Display>
+  <Edit>DocumentLibraryForm</Edit>
+  <New>DocumentLibraryForm</New>
+</FormTemplates>
+</file>
+
+<file path=customXml/item2.xml><?xml version="1.0" encoding="utf-8"?>
 <ct:contentTypeSchema xmlns:ct="http://schemas.microsoft.com/office/2006/metadata/contentType" xmlns:ma="http://schemas.microsoft.com/office/2006/metadata/properties/metaAttributes" ct:_="" ma:_="" ma:contentTypeName="Document" ma:contentTypeID="0x0101004D2E750987EE2543B234B3A674D6BE3D" ma:contentTypeVersion="105" ma:contentTypeDescription="Create a new document." ma:contentTypeScope="" ma:versionID="62fa037737ae31885dcb260bd5c7d1f2">
   <xsd:schema xmlns:xsd="http://www.w3.org/2001/XMLSchema" xmlns:xs="http://www.w3.org/2001/XMLSchema" xmlns:p="http://schemas.microsoft.com/office/2006/metadata/properties" xmlns:ns2="1e37aee8-73ad-441e-bced-8b530ad9291b" xmlns:ns3="52ad97b0-86c1-49b5-b544-c488bf38e7c0" targetNamespace="http://schemas.microsoft.com/office/2006/metadata/properties" ma:root="true" ma:fieldsID="ce0d2501b4c25830d7e1734de94951c7" ns2:_="" ns3:_="">
     <xsd:import namespace="1e37aee8-73ad-441e-bced-8b530ad9291b"/>
@@ -22624,29 +22481,7 @@
 </ct:contentTypeSchema>
 </file>
 
-<file path=customXml/item2.xml><?xml version="1.0" encoding="utf-8"?>
-<?mso-contentType ?>
-<FormTemplates xmlns="http://schemas.microsoft.com/sharepoint/v3/contenttype/forms">
-  <Display>DocumentLibraryForm</Display>
-  <Edit>DocumentLibraryForm</Edit>
-  <New>DocumentLibraryForm</New>
-</FormTemplates>
-</file>
-
 <file path=customXml/item3.xml><?xml version="1.0" encoding="utf-8"?>
-<p:properties xmlns:p="http://schemas.microsoft.com/office/2006/metadata/properties" xmlns:xsi="http://www.w3.org/2001/XMLSchema-instance" xmlns:pc="http://schemas.microsoft.com/office/infopath/2007/PartnerControls">
-  <documentManagement>
-    <Description0 xmlns="1e37aee8-73ad-441e-bced-8b530ad9291b">PowerPoint template with Microsoft Partner Network logo on it.</Description0>
-    <_dlc_DocId xmlns="52ad97b0-86c1-49b5-b544-c488bf38e7c0">SAZVWXQSR7YH-3011-7</_dlc_DocId>
-    <_dlc_DocIdUrl xmlns="52ad97b0-86c1-49b5-b544-c488bf38e7c0">
-      <Url>https://my.skylinetechnologies.com/Support/SalesMarketingCenter/branding/_layouts/DocIdRedir.aspx?ID=SAZVWXQSR7YH-3011-7</Url>
-      <Description>SAZVWXQSR7YH-3011-7</Description>
-    </_dlc_DocIdUrl>
-  </documentManagement>
-</p:properties>
-</file>
-
-<file path=customXml/item4.xml><?xml version="1.0" encoding="utf-8"?>
 <?mso-contentType ?>
 <spe:Receivers xmlns:spe="http://schemas.microsoft.com/sharepoint/events">
   <Receiver>
@@ -22692,7 +22527,28 @@
 </spe:Receivers>
 </file>
 
+<file path=customXml/item4.xml><?xml version="1.0" encoding="utf-8"?>
+<p:properties xmlns:p="http://schemas.microsoft.com/office/2006/metadata/properties" xmlns:xsi="http://www.w3.org/2001/XMLSchema-instance" xmlns:pc="http://schemas.microsoft.com/office/infopath/2007/PartnerControls">
+  <documentManagement>
+    <Description0 xmlns="1e37aee8-73ad-441e-bced-8b530ad9291b">PowerPoint template with Microsoft Partner Network logo on it.</Description0>
+    <_dlc_DocId xmlns="52ad97b0-86c1-49b5-b544-c488bf38e7c0">SAZVWXQSR7YH-3011-7</_dlc_DocId>
+    <_dlc_DocIdUrl xmlns="52ad97b0-86c1-49b5-b544-c488bf38e7c0">
+      <Url>https://my.skylinetechnologies.com/Support/SalesMarketingCenter/branding/_layouts/DocIdRedir.aspx?ID=SAZVWXQSR7YH-3011-7</Url>
+      <Description>SAZVWXQSR7YH-3011-7</Description>
+    </_dlc_DocIdUrl>
+  </documentManagement>
+</p:properties>
+</file>
+
 <file path=customXml/itemProps1.xml><?xml version="1.0" encoding="utf-8"?>
+<ds:datastoreItem xmlns:ds="http://schemas.openxmlformats.org/officeDocument/2006/customXml" ds:itemID="{B6DBE1C9-0895-41F8-89A3-98DC40E912B0}">
+  <ds:schemaRefs>
+    <ds:schemaRef ds:uri="http://schemas.microsoft.com/sharepoint/v3/contenttype/forms"/>
+  </ds:schemaRefs>
+</ds:datastoreItem>
+</file>
+
+<file path=customXml/itemProps2.xml><?xml version="1.0" encoding="utf-8"?>
 <ds:datastoreItem xmlns:ds="http://schemas.openxmlformats.org/officeDocument/2006/customXml" ds:itemID="{B03FC495-EB61-4A2C-B8E7-345CEB92DF9F}">
   <ds:schemaRefs>
     <ds:schemaRef ds:uri="http://schemas.microsoft.com/office/2006/metadata/contentType"/>
@@ -22711,15 +22567,15 @@
 </ds:datastoreItem>
 </file>
 
-<file path=customXml/itemProps2.xml><?xml version="1.0" encoding="utf-8"?>
-<ds:datastoreItem xmlns:ds="http://schemas.openxmlformats.org/officeDocument/2006/customXml" ds:itemID="{B6DBE1C9-0895-41F8-89A3-98DC40E912B0}">
+<file path=customXml/itemProps3.xml><?xml version="1.0" encoding="utf-8"?>
+<ds:datastoreItem xmlns:ds="http://schemas.openxmlformats.org/officeDocument/2006/customXml" ds:itemID="{0068A067-F354-4585-8169-FC99DA836E1C}">
   <ds:schemaRefs>
-    <ds:schemaRef ds:uri="http://schemas.microsoft.com/sharepoint/v3/contenttype/forms"/>
+    <ds:schemaRef ds:uri="http://schemas.microsoft.com/sharepoint/events"/>
   </ds:schemaRefs>
 </ds:datastoreItem>
 </file>
 
-<file path=customXml/itemProps3.xml><?xml version="1.0" encoding="utf-8"?>
+<file path=customXml/itemProps4.xml><?xml version="1.0" encoding="utf-8"?>
 <ds:datastoreItem xmlns:ds="http://schemas.openxmlformats.org/officeDocument/2006/customXml" ds:itemID="{9F5040E5-4564-49C1-9147-56F1700A1C56}">
   <ds:schemaRefs>
     <ds:schemaRef ds:uri="http://schemas.microsoft.com/office/2006/documentManagement/types"/>
@@ -22734,12 +22590,4 @@
     <ds:schemaRef ds:uri="http://schemas.openxmlformats.org/package/2006/metadata/core-properties"/>
   </ds:schemaRefs>
 </ds:datastoreItem>
-</file>
-
-<file path=customXml/itemProps4.xml><?xml version="1.0" encoding="utf-8"?>
-<ds:datastoreItem xmlns:ds="http://schemas.openxmlformats.org/officeDocument/2006/customXml" ds:itemID="{0068A067-F354-4585-8169-FC99DA836E1C}">
-  <ds:schemaRefs>
-    <ds:schemaRef ds:uri="http://schemas.microsoft.com/sharepoint/events"/>
-  </ds:schemaRefs>
-</ds:datastoreItem>
 </file>
--- a/TestDrivingASP.NETMVC_Widescreen.pptx
+++ b/TestDrivingASP.NETMVC_Widescreen.pptx
@@ -517,7 +517,7 @@
               <a:pPr>
                 <a:defRPr/>
               </a:pPr>
-              <a:t>8/29/2012</a:t>
+              <a:t>8/31/2012</a:t>
             </a:fld>
             <a:endParaRPr lang="en-US"/>
           </a:p>
@@ -3195,10 +3195,7 @@
                 <a:spcPct val="0"/>
               </a:spcBef>
             </a:pPr>
-            <a:r>
-              <a:rPr lang="en-US" smtClean="0"/>
-              <a:t>Scrum most popular.  </a:t>
-            </a:r>
+            <a:endParaRPr lang="en-US" dirty="0" smtClean="0"/>
           </a:p>
         </p:txBody>
       </p:sp>
@@ -8792,10 +8789,7 @@
                 <a:spcPct val="0"/>
               </a:spcBef>
             </a:pPr>
-            <a:r>
-              <a:rPr lang="en-US" smtClean="0"/>
-              <a:t>Scrum most popular.  </a:t>
-            </a:r>
+            <a:endParaRPr lang="en-US" dirty="0" smtClean="0"/>
           </a:p>
         </p:txBody>
       </p:sp>
@@ -13278,7 +13272,7 @@
         </p:blipFill>
         <p:spPr bwMode="auto">
           <a:xfrm>
-            <a:off x="7517785" y="3914685"/>
+            <a:off x="8713538" y="4172593"/>
             <a:ext cx="3220871" cy="2225805"/>
           </a:xfrm>
           <a:prstGeom prst="rect">
@@ -13475,7 +13469,7 @@
         </p:blipFill>
         <p:spPr bwMode="auto">
           <a:xfrm>
-            <a:off x="8005576" y="3513581"/>
+            <a:off x="9248214" y="3560473"/>
             <a:ext cx="2659148" cy="2633014"/>
           </a:xfrm>
           <a:prstGeom prst="rect">
@@ -13501,7 +13495,7 @@
         </p:nvSpPr>
         <p:spPr>
           <a:xfrm>
-            <a:off x="7883826" y="3368610"/>
+            <a:off x="9126464" y="3415502"/>
             <a:ext cx="2879754" cy="2926269"/>
           </a:xfrm>
           <a:prstGeom prst="noSmoking">
@@ -13930,7 +13924,7 @@
         </p:nvSpPr>
         <p:spPr>
           <a:xfrm>
-            <a:off x="2595564" y="381000"/>
+            <a:off x="1001226" y="381000"/>
             <a:ext cx="7369175" cy="941388"/>
           </a:xfrm>
         </p:spPr>
@@ -13966,7 +13960,7 @@
         </p:nvSpPr>
         <p:spPr bwMode="auto">
           <a:xfrm>
-            <a:off x="2601913" y="1484314"/>
+            <a:off x="1007575" y="1484314"/>
             <a:ext cx="8159750" cy="4770437"/>
           </a:xfrm>
           <a:prstGeom prst="rect">
@@ -14905,7 +14899,7 @@
         </p:blipFill>
         <p:spPr bwMode="auto">
           <a:xfrm>
-            <a:off x="8186913" y="5026415"/>
+            <a:off x="9720533" y="4604384"/>
             <a:ext cx="2459980" cy="1812422"/>
           </a:xfrm>
           <a:prstGeom prst="rect">
@@ -16044,7 +16038,7 @@
         </p:blipFill>
         <p:spPr bwMode="auto">
           <a:xfrm>
-            <a:off x="6834627" y="2262072"/>
+            <a:off x="8288289" y="2660657"/>
             <a:ext cx="3810000" cy="3810000"/>
           </a:xfrm>
           <a:prstGeom prst="rect">
@@ -16378,7 +16372,7 @@
         </p:blipFill>
         <p:spPr bwMode="auto">
           <a:xfrm>
-            <a:off x="7942263" y="5236617"/>
+            <a:off x="9536602" y="5541417"/>
             <a:ext cx="2819400" cy="962025"/>
           </a:xfrm>
           <a:prstGeom prst="rect">
@@ -16652,7 +16646,7 @@
         </p:nvSpPr>
         <p:spPr>
           <a:xfrm>
-            <a:off x="2595564" y="381000"/>
+            <a:off x="926423" y="381000"/>
             <a:ext cx="7369175" cy="941388"/>
           </a:xfrm>
         </p:spPr>
@@ -16680,7 +16674,7 @@
         </p:nvSpPr>
         <p:spPr bwMode="auto">
           <a:xfrm>
-            <a:off x="2601913" y="1484314"/>
+            <a:off x="932772" y="1484314"/>
             <a:ext cx="8159750" cy="4770437"/>
           </a:xfrm>
           <a:prstGeom prst="rect">
@@ -19766,41 +19760,159 @@
           <a:p>
             <a:pPr lvl="1"/>
             <a:r>
-              <a:rPr lang="en-US" sz="2870" kern="0" dirty="0"/>
-              <a:t>Twitter: 	@</a:t>
-            </a:r>
-            <a:r>
-              <a:rPr lang="en-US" sz="2870" kern="0" dirty="0" err="1"/>
+              <a:rPr lang="en-US" sz="2400" kern="0" dirty="0"/>
+              <a:t>Twitter: 	</a:t>
+            </a:r>
+            <a:r>
+              <a:rPr lang="en-US" sz="2400" kern="0" dirty="0" smtClean="0"/>
+              <a:t>	@</a:t>
+            </a:r>
+            <a:r>
+              <a:rPr lang="en-US" sz="2400" kern="0" dirty="0" err="1"/>
               <a:t>KeBurnell</a:t>
             </a:r>
+            <a:endParaRPr lang="en-US" sz="2400" kern="0" dirty="0"/>
+          </a:p>
+          <a:p>
+            <a:pPr lvl="1"/>
+            <a:r>
+              <a:rPr lang="en-US" sz="2400" kern="0" dirty="0"/>
+              <a:t>Blog: 	</a:t>
+            </a:r>
+            <a:r>
+              <a:rPr lang="en-US" sz="2400" kern="0" dirty="0" smtClean="0"/>
+              <a:t>	DotNetDevDude.com</a:t>
+            </a:r>
+          </a:p>
+          <a:p>
+            <a:pPr lvl="1"/>
+            <a:r>
+              <a:rPr lang="en-US" sz="2400" kern="0" dirty="0" smtClean="0"/>
+              <a:t>E-Mail:		</a:t>
+            </a:r>
+            <a:r>
+              <a:rPr lang="en-US" sz="2400" kern="0" dirty="0" smtClean="0">
+                <a:hlinkClick r:id="rId3"/>
+              </a:rPr>
+              <a:t>KBurnell@SkylineTechnologies.com</a:t>
+            </a:r>
             <a:endParaRPr lang="en-US" sz="2870" kern="0" dirty="0"/>
           </a:p>
           <a:p>
+            <a:pPr marL="452438" lvl="1" indent="0">
+              <a:buNone/>
+            </a:pPr>
+            <a:endParaRPr lang="en-US" sz="2870" kern="0" dirty="0"/>
+          </a:p>
+          <a:p>
+            <a:r>
+              <a:rPr lang="en-US" sz="3250" kern="0" dirty="0"/>
+              <a:t>Tools</a:t>
+            </a:r>
+          </a:p>
+          <a:p>
             <a:pPr lvl="1"/>
             <a:r>
-              <a:rPr lang="en-US" sz="2870" kern="0" dirty="0"/>
-              <a:t>Blog: 	</a:t>
-            </a:r>
-            <a:r>
-              <a:rPr lang="en-US" sz="2870" kern="0" dirty="0" smtClean="0"/>
-              <a:t>	DotNetDevDude.com</a:t>
-            </a:r>
-            <a:endParaRPr lang="en-US" sz="2870" kern="0" dirty="0"/>
+              <a:rPr lang="en-US" sz="2400" kern="0" dirty="0" err="1" smtClean="0"/>
+              <a:t>ReSharper</a:t>
+            </a:r>
+            <a:r>
+              <a:rPr lang="en-US" sz="2400" kern="0" dirty="0" smtClean="0"/>
+              <a:t>:</a:t>
+            </a:r>
+            <a:r>
+              <a:rPr lang="en-US" sz="2400" kern="0" dirty="0"/>
+              <a:t>	</a:t>
+            </a:r>
+            <a:r>
+              <a:rPr lang="en-US" sz="2400" kern="0" dirty="0" smtClean="0">
+                <a:hlinkClick r:id="rId4"/>
+              </a:rPr>
+              <a:t>http</a:t>
+            </a:r>
+            <a:r>
+              <a:rPr lang="en-US" sz="2400" kern="0" dirty="0">
+                <a:hlinkClick r:id="rId4"/>
+              </a:rPr>
+              <a:t>://www.JetBrains.com/ReSharper</a:t>
+            </a:r>
+            <a:endParaRPr lang="en-US" sz="2400" kern="0" dirty="0"/>
           </a:p>
           <a:p>
             <a:pPr lvl="1"/>
             <a:r>
-              <a:rPr lang="en-US" sz="2870" kern="0" dirty="0"/>
-              <a:t>E-Mail:	</a:t>
-            </a:r>
-            <a:r>
-              <a:rPr lang="en-US" sz="2870" kern="0" dirty="0" smtClean="0"/>
-              <a:t>	KBurnell@SkylineTechnologies.com</a:t>
-            </a:r>
-            <a:r>
-              <a:rPr lang="en-US" sz="2870" kern="0" dirty="0"/>
+              <a:rPr lang="en-US" sz="2400" kern="0" dirty="0" err="1"/>
+              <a:t>NCrunch</a:t>
+            </a:r>
+            <a:r>
+              <a:rPr lang="en-US" sz="2400" kern="0" dirty="0"/>
               <a:t>	</a:t>
             </a:r>
+            <a:r>
+              <a:rPr lang="en-US" sz="2400" kern="0" dirty="0" smtClean="0"/>
+              <a:t>:</a:t>
+            </a:r>
+            <a:r>
+              <a:rPr lang="en-US" sz="2400" kern="0" dirty="0"/>
+              <a:t>	</a:t>
+            </a:r>
+            <a:r>
+              <a:rPr lang="en-US" sz="2400" kern="0" dirty="0">
+                <a:hlinkClick r:id="rId5"/>
+              </a:rPr>
+              <a:t>http://www.NCrunch.net</a:t>
+            </a:r>
+            <a:endParaRPr lang="en-US" sz="2400" kern="0" dirty="0"/>
+          </a:p>
+          <a:p>
+            <a:pPr lvl="1"/>
+            <a:r>
+              <a:rPr lang="en-US" sz="2400" kern="0" dirty="0" err="1" smtClean="0"/>
+              <a:t>MvcContrib</a:t>
+            </a:r>
+            <a:r>
+              <a:rPr lang="en-US" sz="2400" kern="0" dirty="0" smtClean="0"/>
+              <a:t>:</a:t>
+            </a:r>
+            <a:r>
+              <a:rPr lang="en-US" sz="2400" kern="0" dirty="0"/>
+              <a:t>	</a:t>
+            </a:r>
+            <a:r>
+              <a:rPr lang="en-US" sz="2400" kern="0" dirty="0">
+                <a:hlinkClick r:id="rId6"/>
+              </a:rPr>
+              <a:t>http://www.MvcContrib.CodePlex.com</a:t>
+            </a:r>
+            <a:endParaRPr lang="en-US" sz="2400" kern="0" dirty="0"/>
+          </a:p>
+          <a:p>
+            <a:pPr lvl="1"/>
+            <a:r>
+              <a:rPr lang="en-US" sz="2400" kern="0" dirty="0" err="1" smtClean="0"/>
+              <a:t>WatiN</a:t>
+            </a:r>
+            <a:r>
+              <a:rPr lang="en-US" sz="2400" kern="0" dirty="0" smtClean="0"/>
+              <a:t>:</a:t>
+            </a:r>
+            <a:r>
+              <a:rPr lang="en-US" sz="2400" kern="0" dirty="0"/>
+              <a:t>		</a:t>
+            </a:r>
+            <a:r>
+              <a:rPr lang="en-US" sz="2400" kern="0" dirty="0">
+                <a:hlinkClick r:id="rId7"/>
+              </a:rPr>
+              <a:t>http://www.WatiN.com</a:t>
+            </a:r>
+            <a:endParaRPr lang="en-US" sz="2400" kern="0" dirty="0"/>
+          </a:p>
+          <a:p>
+            <a:pPr marL="0" indent="0">
+              <a:buNone/>
+            </a:pPr>
+            <a:endParaRPr lang="en-US" sz="2681" kern="0" dirty="0" smtClean="0"/>
           </a:p>
         </p:txBody>
       </p:sp>
@@ -20227,7 +20339,7 @@
         </p:blipFill>
         <p:spPr bwMode="auto">
           <a:xfrm>
-            <a:off x="6583302" y="2946424"/>
+            <a:off x="8647389" y="3157439"/>
             <a:ext cx="3463331" cy="2939984"/>
           </a:xfrm>
           <a:prstGeom prst="rect">
@@ -20366,8 +20478,8 @@
         </p:blipFill>
         <p:spPr bwMode="auto">
           <a:xfrm>
-            <a:off x="7907517" y="2412522"/>
-            <a:ext cx="2828925" cy="3810000"/>
+            <a:off x="9847172" y="3470030"/>
+            <a:ext cx="2165585" cy="2916613"/>
           </a:xfrm>
           <a:prstGeom prst="rect">
             <a:avLst/>
@@ -20585,7 +20697,7 @@
         </p:blipFill>
         <p:spPr bwMode="auto">
           <a:xfrm>
-            <a:off x="3491846" y="3832464"/>
+            <a:off x="4835902" y="4066925"/>
             <a:ext cx="7224319" cy="2246313"/>
           </a:xfrm>
           <a:prstGeom prst="rect">
@@ -20799,7 +20911,7 @@
         </p:blipFill>
         <p:spPr bwMode="auto">
           <a:xfrm>
-            <a:off x="7945881" y="3784475"/>
+            <a:off x="9118188" y="3807921"/>
             <a:ext cx="2742795" cy="2443163"/>
           </a:xfrm>
           <a:prstGeom prst="rect">
@@ -20983,7 +21095,7 @@
         </p:nvSpPr>
         <p:spPr bwMode="auto">
           <a:xfrm>
-            <a:off x="7023309" y="5135563"/>
+            <a:off x="8068435" y="5159009"/>
             <a:ext cx="3880549" cy="941388"/>
           </a:xfrm>
           <a:prstGeom prst="rect">
@@ -21138,7 +21250,7 @@
               <a:defRPr/>
             </a:pPr>
             <a:r>
-              <a:rPr lang="en-US" dirty="0"/>
+              <a:rPr lang="en-US" sz="4800" dirty="0"/>
               <a:t>Then…</a:t>
             </a:r>
           </a:p>
@@ -22315,15 +22427,6 @@
 </file>
 
 <file path=customXml/item1.xml><?xml version="1.0" encoding="utf-8"?>
-<?mso-contentType ?>
-<FormTemplates xmlns="http://schemas.microsoft.com/sharepoint/v3/contenttype/forms">
-  <Display>DocumentLibraryForm</Display>
-  <Edit>DocumentLibraryForm</Edit>
-  <New>DocumentLibraryForm</New>
-</FormTemplates>
-</file>
-
-<file path=customXml/item2.xml><?xml version="1.0" encoding="utf-8"?>
 <ct:contentTypeSchema xmlns:ct="http://schemas.microsoft.com/office/2006/metadata/contentType" xmlns:ma="http://schemas.microsoft.com/office/2006/metadata/properties/metaAttributes" ct:_="" ma:_="" ma:contentTypeName="Document" ma:contentTypeID="0x0101004D2E750987EE2543B234B3A674D6BE3D" ma:contentTypeVersion="105" ma:contentTypeDescription="Create a new document." ma:contentTypeScope="" ma:versionID="62fa037737ae31885dcb260bd5c7d1f2">
   <xsd:schema xmlns:xsd="http://www.w3.org/2001/XMLSchema" xmlns:xs="http://www.w3.org/2001/XMLSchema" xmlns:p="http://schemas.microsoft.com/office/2006/metadata/properties" xmlns:ns2="1e37aee8-73ad-441e-bced-8b530ad9291b" xmlns:ns3="52ad97b0-86c1-49b5-b544-c488bf38e7c0" targetNamespace="http://schemas.microsoft.com/office/2006/metadata/properties" ma:root="true" ma:fieldsID="ce0d2501b4c25830d7e1734de94951c7" ns2:_="" ns3:_="">
     <xsd:import namespace="1e37aee8-73ad-441e-bced-8b530ad9291b"/>
@@ -22481,7 +22584,7 @@
 </ct:contentTypeSchema>
 </file>
 
-<file path=customXml/item3.xml><?xml version="1.0" encoding="utf-8"?>
+<file path=customXml/item2.xml><?xml version="1.0" encoding="utf-8"?>
 <?mso-contentType ?>
 <spe:Receivers xmlns:spe="http://schemas.microsoft.com/sharepoint/events">
   <Receiver>
@@ -22527,7 +22630,7 @@
 </spe:Receivers>
 </file>
 
-<file path=customXml/item4.xml><?xml version="1.0" encoding="utf-8"?>
+<file path=customXml/item3.xml><?xml version="1.0" encoding="utf-8"?>
 <p:properties xmlns:p="http://schemas.microsoft.com/office/2006/metadata/properties" xmlns:xsi="http://www.w3.org/2001/XMLSchema-instance" xmlns:pc="http://schemas.microsoft.com/office/infopath/2007/PartnerControls">
   <documentManagement>
     <Description0 xmlns="1e37aee8-73ad-441e-bced-8b530ad9291b">PowerPoint template with Microsoft Partner Network logo on it.</Description0>
@@ -22540,15 +22643,16 @@
 </p:properties>
 </file>
 
-<file path=customXml/itemProps1.xml><?xml version="1.0" encoding="utf-8"?>
-<ds:datastoreItem xmlns:ds="http://schemas.openxmlformats.org/officeDocument/2006/customXml" ds:itemID="{B6DBE1C9-0895-41F8-89A3-98DC40E912B0}">
-  <ds:schemaRefs>
-    <ds:schemaRef ds:uri="http://schemas.microsoft.com/sharepoint/v3/contenttype/forms"/>
-  </ds:schemaRefs>
-</ds:datastoreItem>
+<file path=customXml/item4.xml><?xml version="1.0" encoding="utf-8"?>
+<?mso-contentType ?>
+<FormTemplates xmlns="http://schemas.microsoft.com/sharepoint/v3/contenttype/forms">
+  <Display>DocumentLibraryForm</Display>
+  <Edit>DocumentLibraryForm</Edit>
+  <New>DocumentLibraryForm</New>
+</FormTemplates>
 </file>
 
-<file path=customXml/itemProps2.xml><?xml version="1.0" encoding="utf-8"?>
+<file path=customXml/itemProps1.xml><?xml version="1.0" encoding="utf-8"?>
 <ds:datastoreItem xmlns:ds="http://schemas.openxmlformats.org/officeDocument/2006/customXml" ds:itemID="{B03FC495-EB61-4A2C-B8E7-345CEB92DF9F}">
   <ds:schemaRefs>
     <ds:schemaRef ds:uri="http://schemas.microsoft.com/office/2006/metadata/contentType"/>
@@ -22567,7 +22671,7 @@
 </ds:datastoreItem>
 </file>
 
-<file path=customXml/itemProps3.xml><?xml version="1.0" encoding="utf-8"?>
+<file path=customXml/itemProps2.xml><?xml version="1.0" encoding="utf-8"?>
 <ds:datastoreItem xmlns:ds="http://schemas.openxmlformats.org/officeDocument/2006/customXml" ds:itemID="{0068A067-F354-4585-8169-FC99DA836E1C}">
   <ds:schemaRefs>
     <ds:schemaRef ds:uri="http://schemas.microsoft.com/sharepoint/events"/>
@@ -22575,7 +22679,7 @@
 </ds:datastoreItem>
 </file>
 
-<file path=customXml/itemProps4.xml><?xml version="1.0" encoding="utf-8"?>
+<file path=customXml/itemProps3.xml><?xml version="1.0" encoding="utf-8"?>
 <ds:datastoreItem xmlns:ds="http://schemas.openxmlformats.org/officeDocument/2006/customXml" ds:itemID="{9F5040E5-4564-49C1-9147-56F1700A1C56}">
   <ds:schemaRefs>
     <ds:schemaRef ds:uri="http://schemas.microsoft.com/office/2006/documentManagement/types"/>
@@ -22590,4 +22694,12 @@
     <ds:schemaRef ds:uri="http://schemas.openxmlformats.org/package/2006/metadata/core-properties"/>
   </ds:schemaRefs>
 </ds:datastoreItem>
+</file>
+
+<file path=customXml/itemProps4.xml><?xml version="1.0" encoding="utf-8"?>
+<ds:datastoreItem xmlns:ds="http://schemas.openxmlformats.org/officeDocument/2006/customXml" ds:itemID="{B6DBE1C9-0895-41F8-89A3-98DC40E912B0}">
+  <ds:schemaRefs>
+    <ds:schemaRef ds:uri="http://schemas.microsoft.com/sharepoint/v3/contenttype/forms"/>
+  </ds:schemaRefs>
+</ds:datastoreItem>
 </file>